--- a/2025-Easterhunt/Easterhunt-2025-rebus.pptx
+++ b/2025-Easterhunt/Easterhunt-2025-rebus.pptx
@@ -271,7 +271,7 @@
           <a:p>
             <a:fld id="{E322CE00-4D8E-49EA-B0AE-9114DB306CCC}" type="datetimeFigureOut">
               <a:rPr lang="nb-NO" smtClean="0"/>
-              <a:t>14.04.2025</a:t>
+              <a:t>15.04.2025</a:t>
             </a:fld>
             <a:endParaRPr lang="nb-NO"/>
           </a:p>
@@ -441,7 +441,7 @@
           <a:p>
             <a:fld id="{E322CE00-4D8E-49EA-B0AE-9114DB306CCC}" type="datetimeFigureOut">
               <a:rPr lang="nb-NO" smtClean="0"/>
-              <a:t>14.04.2025</a:t>
+              <a:t>15.04.2025</a:t>
             </a:fld>
             <a:endParaRPr lang="nb-NO"/>
           </a:p>
@@ -621,7 +621,7 @@
           <a:p>
             <a:fld id="{E322CE00-4D8E-49EA-B0AE-9114DB306CCC}" type="datetimeFigureOut">
               <a:rPr lang="nb-NO" smtClean="0"/>
-              <a:t>14.04.2025</a:t>
+              <a:t>15.04.2025</a:t>
             </a:fld>
             <a:endParaRPr lang="nb-NO"/>
           </a:p>
@@ -791,7 +791,7 @@
           <a:p>
             <a:fld id="{E322CE00-4D8E-49EA-B0AE-9114DB306CCC}" type="datetimeFigureOut">
               <a:rPr lang="nb-NO" smtClean="0"/>
-              <a:t>14.04.2025</a:t>
+              <a:t>15.04.2025</a:t>
             </a:fld>
             <a:endParaRPr lang="nb-NO"/>
           </a:p>
@@ -1037,7 +1037,7 @@
           <a:p>
             <a:fld id="{E322CE00-4D8E-49EA-B0AE-9114DB306CCC}" type="datetimeFigureOut">
               <a:rPr lang="nb-NO" smtClean="0"/>
-              <a:t>14.04.2025</a:t>
+              <a:t>15.04.2025</a:t>
             </a:fld>
             <a:endParaRPr lang="nb-NO"/>
           </a:p>
@@ -1269,7 +1269,7 @@
           <a:p>
             <a:fld id="{E322CE00-4D8E-49EA-B0AE-9114DB306CCC}" type="datetimeFigureOut">
               <a:rPr lang="nb-NO" smtClean="0"/>
-              <a:t>14.04.2025</a:t>
+              <a:t>15.04.2025</a:t>
             </a:fld>
             <a:endParaRPr lang="nb-NO"/>
           </a:p>
@@ -1636,7 +1636,7 @@
           <a:p>
             <a:fld id="{E322CE00-4D8E-49EA-B0AE-9114DB306CCC}" type="datetimeFigureOut">
               <a:rPr lang="nb-NO" smtClean="0"/>
-              <a:t>14.04.2025</a:t>
+              <a:t>15.04.2025</a:t>
             </a:fld>
             <a:endParaRPr lang="nb-NO"/>
           </a:p>
@@ -1754,7 +1754,7 @@
           <a:p>
             <a:fld id="{E322CE00-4D8E-49EA-B0AE-9114DB306CCC}" type="datetimeFigureOut">
               <a:rPr lang="nb-NO" smtClean="0"/>
-              <a:t>14.04.2025</a:t>
+              <a:t>15.04.2025</a:t>
             </a:fld>
             <a:endParaRPr lang="nb-NO"/>
           </a:p>
@@ -1849,7 +1849,7 @@
           <a:p>
             <a:fld id="{E322CE00-4D8E-49EA-B0AE-9114DB306CCC}" type="datetimeFigureOut">
               <a:rPr lang="nb-NO" smtClean="0"/>
-              <a:t>14.04.2025</a:t>
+              <a:t>15.04.2025</a:t>
             </a:fld>
             <a:endParaRPr lang="nb-NO"/>
           </a:p>
@@ -2126,7 +2126,7 @@
           <a:p>
             <a:fld id="{E322CE00-4D8E-49EA-B0AE-9114DB306CCC}" type="datetimeFigureOut">
               <a:rPr lang="nb-NO" smtClean="0"/>
-              <a:t>14.04.2025</a:t>
+              <a:t>15.04.2025</a:t>
             </a:fld>
             <a:endParaRPr lang="nb-NO"/>
           </a:p>
@@ -2383,7 +2383,7 @@
           <a:p>
             <a:fld id="{E322CE00-4D8E-49EA-B0AE-9114DB306CCC}" type="datetimeFigureOut">
               <a:rPr lang="nb-NO" smtClean="0"/>
-              <a:t>14.04.2025</a:t>
+              <a:t>15.04.2025</a:t>
             </a:fld>
             <a:endParaRPr lang="nb-NO"/>
           </a:p>
@@ -2596,7 +2596,7 @@
           <a:p>
             <a:fld id="{E322CE00-4D8E-49EA-B0AE-9114DB306CCC}" type="datetimeFigureOut">
               <a:rPr lang="nb-NO" smtClean="0"/>
-              <a:t>14.04.2025</a:t>
+              <a:t>15.04.2025</a:t>
             </a:fld>
             <a:endParaRPr lang="nb-NO"/>
           </a:p>
@@ -3121,8 +3121,8 @@
             </a:extLst>
           </p:spPr>
         </p:pic>
-        <mc:AlternateContent xmlns:mc="http://schemas.openxmlformats.org/markup-compatibility/2006">
-          <mc:Choice xmlns:p14="http://schemas.microsoft.com/office/powerpoint/2010/main" Requires="p14">
+        <mc:AlternateContent xmlns:mc="http://schemas.openxmlformats.org/markup-compatibility/2006" xmlns:p14="http://schemas.microsoft.com/office/powerpoint/2010/main">
+          <mc:Choice Requires="p14">
             <p:contentPart p14:bwMode="auto" r:id="rId4">
               <p14:nvContentPartPr>
                 <p14:cNvPr id="36" name="Ink 35">
@@ -3141,7 +3141,7 @@
               </p14:xfrm>
             </p:contentPart>
           </mc:Choice>
-          <mc:Fallback>
+          <mc:Fallback xmlns="">
             <p:pic>
               <p:nvPicPr>
                 <p:cNvPr id="36" name="Ink 35">
@@ -4366,6 +4366,1146 @@
           </a:extLst>
         </p:spPr>
       </p:pic>
+      <p:cxnSp>
+        <p:nvCxnSpPr>
+          <p:cNvPr id="3" name="Straight Connector 2">
+            <a:extLst>
+              <a:ext uri="{FF2B5EF4-FFF2-40B4-BE49-F238E27FC236}">
+                <a16:creationId xmlns:a16="http://schemas.microsoft.com/office/drawing/2014/main" id="{1C115A6D-AC18-FFFF-89F5-4B195F502FA8}"/>
+              </a:ext>
+            </a:extLst>
+          </p:cNvPr>
+          <p:cNvCxnSpPr>
+            <a:cxnSpLocks/>
+          </p:cNvCxnSpPr>
+          <p:nvPr/>
+        </p:nvCxnSpPr>
+        <p:spPr>
+          <a:xfrm>
+            <a:off x="3995803" y="1099441"/>
+            <a:ext cx="266144" cy="0"/>
+          </a:xfrm>
+          <a:prstGeom prst="line">
+            <a:avLst/>
+          </a:prstGeom>
+        </p:spPr>
+        <p:style>
+          <a:lnRef idx="2">
+            <a:schemeClr val="accent1"/>
+          </a:lnRef>
+          <a:fillRef idx="0">
+            <a:schemeClr val="accent1"/>
+          </a:fillRef>
+          <a:effectRef idx="1">
+            <a:schemeClr val="accent1"/>
+          </a:effectRef>
+          <a:fontRef idx="minor">
+            <a:schemeClr val="tx1"/>
+          </a:fontRef>
+        </p:style>
+      </p:cxnSp>
+      <p:cxnSp>
+        <p:nvCxnSpPr>
+          <p:cNvPr id="6" name="Straight Connector 5">
+            <a:extLst>
+              <a:ext uri="{FF2B5EF4-FFF2-40B4-BE49-F238E27FC236}">
+                <a16:creationId xmlns:a16="http://schemas.microsoft.com/office/drawing/2014/main" id="{169DD4E5-E5FD-2860-44B3-0106D4B29E26}"/>
+              </a:ext>
+            </a:extLst>
+          </p:cNvPr>
+          <p:cNvCxnSpPr>
+            <a:cxnSpLocks/>
+          </p:cNvCxnSpPr>
+          <p:nvPr/>
+        </p:nvCxnSpPr>
+        <p:spPr>
+          <a:xfrm>
+            <a:off x="4361146" y="1099441"/>
+            <a:ext cx="266144" cy="0"/>
+          </a:xfrm>
+          <a:prstGeom prst="line">
+            <a:avLst/>
+          </a:prstGeom>
+        </p:spPr>
+        <p:style>
+          <a:lnRef idx="2">
+            <a:schemeClr val="accent1"/>
+          </a:lnRef>
+          <a:fillRef idx="0">
+            <a:schemeClr val="accent1"/>
+          </a:fillRef>
+          <a:effectRef idx="1">
+            <a:schemeClr val="accent1"/>
+          </a:effectRef>
+          <a:fontRef idx="minor">
+            <a:schemeClr val="tx1"/>
+          </a:fontRef>
+        </p:style>
+      </p:cxnSp>
+      <p:cxnSp>
+        <p:nvCxnSpPr>
+          <p:cNvPr id="7" name="Straight Connector 6">
+            <a:extLst>
+              <a:ext uri="{FF2B5EF4-FFF2-40B4-BE49-F238E27FC236}">
+                <a16:creationId xmlns:a16="http://schemas.microsoft.com/office/drawing/2014/main" id="{DD9B7A1A-B3C4-6423-5E7E-CBE2FD78F4E3}"/>
+              </a:ext>
+            </a:extLst>
+          </p:cNvPr>
+          <p:cNvCxnSpPr>
+            <a:cxnSpLocks/>
+          </p:cNvCxnSpPr>
+          <p:nvPr/>
+        </p:nvCxnSpPr>
+        <p:spPr>
+          <a:xfrm>
+            <a:off x="4686822" y="1099441"/>
+            <a:ext cx="266144" cy="0"/>
+          </a:xfrm>
+          <a:prstGeom prst="line">
+            <a:avLst/>
+          </a:prstGeom>
+        </p:spPr>
+        <p:style>
+          <a:lnRef idx="2">
+            <a:schemeClr val="accent1"/>
+          </a:lnRef>
+          <a:fillRef idx="0">
+            <a:schemeClr val="accent1"/>
+          </a:fillRef>
+          <a:effectRef idx="1">
+            <a:schemeClr val="accent1"/>
+          </a:effectRef>
+          <a:fontRef idx="minor">
+            <a:schemeClr val="tx1"/>
+          </a:fontRef>
+        </p:style>
+      </p:cxnSp>
+      <p:cxnSp>
+        <p:nvCxnSpPr>
+          <p:cNvPr id="8" name="Straight Connector 7">
+            <a:extLst>
+              <a:ext uri="{FF2B5EF4-FFF2-40B4-BE49-F238E27FC236}">
+                <a16:creationId xmlns:a16="http://schemas.microsoft.com/office/drawing/2014/main" id="{9CD4B787-B39C-48EB-4809-9667084D6C82}"/>
+              </a:ext>
+            </a:extLst>
+          </p:cNvPr>
+          <p:cNvCxnSpPr>
+            <a:cxnSpLocks/>
+          </p:cNvCxnSpPr>
+          <p:nvPr/>
+        </p:nvCxnSpPr>
+        <p:spPr>
+          <a:xfrm>
+            <a:off x="5052165" y="1099441"/>
+            <a:ext cx="266144" cy="0"/>
+          </a:xfrm>
+          <a:prstGeom prst="line">
+            <a:avLst/>
+          </a:prstGeom>
+        </p:spPr>
+        <p:style>
+          <a:lnRef idx="2">
+            <a:schemeClr val="accent1"/>
+          </a:lnRef>
+          <a:fillRef idx="0">
+            <a:schemeClr val="accent1"/>
+          </a:fillRef>
+          <a:effectRef idx="1">
+            <a:schemeClr val="accent1"/>
+          </a:effectRef>
+          <a:fontRef idx="minor">
+            <a:schemeClr val="tx1"/>
+          </a:fontRef>
+        </p:style>
+      </p:cxnSp>
+      <p:cxnSp>
+        <p:nvCxnSpPr>
+          <p:cNvPr id="9" name="Straight Connector 8">
+            <a:extLst>
+              <a:ext uri="{FF2B5EF4-FFF2-40B4-BE49-F238E27FC236}">
+                <a16:creationId xmlns:a16="http://schemas.microsoft.com/office/drawing/2014/main" id="{98207828-8C5F-3EFC-13A1-C9F36716827C}"/>
+              </a:ext>
+            </a:extLst>
+          </p:cNvPr>
+          <p:cNvCxnSpPr>
+            <a:cxnSpLocks/>
+          </p:cNvCxnSpPr>
+          <p:nvPr/>
+        </p:nvCxnSpPr>
+        <p:spPr>
+          <a:xfrm>
+            <a:off x="5377841" y="1099441"/>
+            <a:ext cx="266144" cy="0"/>
+          </a:xfrm>
+          <a:prstGeom prst="line">
+            <a:avLst/>
+          </a:prstGeom>
+        </p:spPr>
+        <p:style>
+          <a:lnRef idx="2">
+            <a:schemeClr val="accent1"/>
+          </a:lnRef>
+          <a:fillRef idx="0">
+            <a:schemeClr val="accent1"/>
+          </a:fillRef>
+          <a:effectRef idx="1">
+            <a:schemeClr val="accent1"/>
+          </a:effectRef>
+          <a:fontRef idx="minor">
+            <a:schemeClr val="tx1"/>
+          </a:fontRef>
+        </p:style>
+      </p:cxnSp>
+      <p:cxnSp>
+        <p:nvCxnSpPr>
+          <p:cNvPr id="10" name="Straight Connector 9">
+            <a:extLst>
+              <a:ext uri="{FF2B5EF4-FFF2-40B4-BE49-F238E27FC236}">
+                <a16:creationId xmlns:a16="http://schemas.microsoft.com/office/drawing/2014/main" id="{E4978260-3F8F-E95B-6DD3-FE58EB328F1A}"/>
+              </a:ext>
+            </a:extLst>
+          </p:cNvPr>
+          <p:cNvCxnSpPr>
+            <a:cxnSpLocks/>
+          </p:cNvCxnSpPr>
+          <p:nvPr/>
+        </p:nvCxnSpPr>
+        <p:spPr>
+          <a:xfrm>
+            <a:off x="5743184" y="1099441"/>
+            <a:ext cx="266144" cy="0"/>
+          </a:xfrm>
+          <a:prstGeom prst="line">
+            <a:avLst/>
+          </a:prstGeom>
+        </p:spPr>
+        <p:style>
+          <a:lnRef idx="2">
+            <a:schemeClr val="accent1"/>
+          </a:lnRef>
+          <a:fillRef idx="0">
+            <a:schemeClr val="accent1"/>
+          </a:fillRef>
+          <a:effectRef idx="1">
+            <a:schemeClr val="accent1"/>
+          </a:effectRef>
+          <a:fontRef idx="minor">
+            <a:schemeClr val="tx1"/>
+          </a:fontRef>
+        </p:style>
+      </p:cxnSp>
+      <p:cxnSp>
+        <p:nvCxnSpPr>
+          <p:cNvPr id="12" name="Straight Connector 11">
+            <a:extLst>
+              <a:ext uri="{FF2B5EF4-FFF2-40B4-BE49-F238E27FC236}">
+                <a16:creationId xmlns:a16="http://schemas.microsoft.com/office/drawing/2014/main" id="{17DB11BE-FA34-D582-9B17-FE1B6F652AF9}"/>
+              </a:ext>
+            </a:extLst>
+          </p:cNvPr>
+          <p:cNvCxnSpPr>
+            <a:cxnSpLocks/>
+          </p:cNvCxnSpPr>
+          <p:nvPr/>
+        </p:nvCxnSpPr>
+        <p:spPr>
+          <a:xfrm>
+            <a:off x="6117808" y="1098679"/>
+            <a:ext cx="266144" cy="0"/>
+          </a:xfrm>
+          <a:prstGeom prst="line">
+            <a:avLst/>
+          </a:prstGeom>
+        </p:spPr>
+        <p:style>
+          <a:lnRef idx="2">
+            <a:schemeClr val="accent1"/>
+          </a:lnRef>
+          <a:fillRef idx="0">
+            <a:schemeClr val="accent1"/>
+          </a:fillRef>
+          <a:effectRef idx="1">
+            <a:schemeClr val="accent1"/>
+          </a:effectRef>
+          <a:fontRef idx="minor">
+            <a:schemeClr val="tx1"/>
+          </a:fontRef>
+        </p:style>
+      </p:cxnSp>
+      <p:cxnSp>
+        <p:nvCxnSpPr>
+          <p:cNvPr id="13" name="Straight Connector 12">
+            <a:extLst>
+              <a:ext uri="{FF2B5EF4-FFF2-40B4-BE49-F238E27FC236}">
+                <a16:creationId xmlns:a16="http://schemas.microsoft.com/office/drawing/2014/main" id="{40F11F37-E67D-5F81-53D6-7B5AB919F722}"/>
+              </a:ext>
+            </a:extLst>
+          </p:cNvPr>
+          <p:cNvCxnSpPr>
+            <a:cxnSpLocks/>
+          </p:cNvCxnSpPr>
+          <p:nvPr/>
+        </p:nvCxnSpPr>
+        <p:spPr>
+          <a:xfrm>
+            <a:off x="4011897" y="2280735"/>
+            <a:ext cx="541752" cy="0"/>
+          </a:xfrm>
+          <a:prstGeom prst="line">
+            <a:avLst/>
+          </a:prstGeom>
+        </p:spPr>
+        <p:style>
+          <a:lnRef idx="2">
+            <a:schemeClr val="accent1"/>
+          </a:lnRef>
+          <a:fillRef idx="0">
+            <a:schemeClr val="accent1"/>
+          </a:fillRef>
+          <a:effectRef idx="1">
+            <a:schemeClr val="accent1"/>
+          </a:effectRef>
+          <a:fontRef idx="minor">
+            <a:schemeClr val="tx1"/>
+          </a:fontRef>
+        </p:style>
+      </p:cxnSp>
+      <p:cxnSp>
+        <p:nvCxnSpPr>
+          <p:cNvPr id="23" name="Straight Connector 22">
+            <a:extLst>
+              <a:ext uri="{FF2B5EF4-FFF2-40B4-BE49-F238E27FC236}">
+                <a16:creationId xmlns:a16="http://schemas.microsoft.com/office/drawing/2014/main" id="{5C905D02-532F-E648-54C7-C18CA4898DD9}"/>
+              </a:ext>
+            </a:extLst>
+          </p:cNvPr>
+          <p:cNvCxnSpPr>
+            <a:cxnSpLocks/>
+          </p:cNvCxnSpPr>
+          <p:nvPr/>
+        </p:nvCxnSpPr>
+        <p:spPr>
+          <a:xfrm>
+            <a:off x="3900976" y="5849709"/>
+            <a:ext cx="455798" cy="0"/>
+          </a:xfrm>
+          <a:prstGeom prst="line">
+            <a:avLst/>
+          </a:prstGeom>
+        </p:spPr>
+        <p:style>
+          <a:lnRef idx="2">
+            <a:schemeClr val="accent1"/>
+          </a:lnRef>
+          <a:fillRef idx="0">
+            <a:schemeClr val="accent1"/>
+          </a:fillRef>
+          <a:effectRef idx="1">
+            <a:schemeClr val="accent1"/>
+          </a:effectRef>
+          <a:fontRef idx="minor">
+            <a:schemeClr val="tx1"/>
+          </a:fontRef>
+        </p:style>
+      </p:cxnSp>
+      <p:cxnSp>
+        <p:nvCxnSpPr>
+          <p:cNvPr id="1029" name="Straight Connector 1028">
+            <a:extLst>
+              <a:ext uri="{FF2B5EF4-FFF2-40B4-BE49-F238E27FC236}">
+                <a16:creationId xmlns:a16="http://schemas.microsoft.com/office/drawing/2014/main" id="{A92C6703-8170-E40C-DA48-32C6D54B5FFA}"/>
+              </a:ext>
+            </a:extLst>
+          </p:cNvPr>
+          <p:cNvCxnSpPr>
+            <a:cxnSpLocks/>
+          </p:cNvCxnSpPr>
+          <p:nvPr/>
+        </p:nvCxnSpPr>
+        <p:spPr>
+          <a:xfrm>
+            <a:off x="4011897" y="9384347"/>
+            <a:ext cx="470804" cy="0"/>
+          </a:xfrm>
+          <a:prstGeom prst="line">
+            <a:avLst/>
+          </a:prstGeom>
+        </p:spPr>
+        <p:style>
+          <a:lnRef idx="2">
+            <a:schemeClr val="accent1"/>
+          </a:lnRef>
+          <a:fillRef idx="0">
+            <a:schemeClr val="accent1"/>
+          </a:fillRef>
+          <a:effectRef idx="1">
+            <a:schemeClr val="accent1"/>
+          </a:effectRef>
+          <a:fontRef idx="minor">
+            <a:schemeClr val="tx1"/>
+          </a:fontRef>
+        </p:style>
+      </p:cxnSp>
+      <p:cxnSp>
+        <p:nvCxnSpPr>
+          <p:cNvPr id="1030" name="Straight Connector 1029">
+            <a:extLst>
+              <a:ext uri="{FF2B5EF4-FFF2-40B4-BE49-F238E27FC236}">
+                <a16:creationId xmlns:a16="http://schemas.microsoft.com/office/drawing/2014/main" id="{B5249361-22F2-29A4-15C1-2E66768FF68A}"/>
+              </a:ext>
+            </a:extLst>
+          </p:cNvPr>
+          <p:cNvCxnSpPr>
+            <a:cxnSpLocks/>
+          </p:cNvCxnSpPr>
+          <p:nvPr/>
+        </p:nvCxnSpPr>
+        <p:spPr>
+          <a:xfrm>
+            <a:off x="4627290" y="9384347"/>
+            <a:ext cx="464471" cy="0"/>
+          </a:xfrm>
+          <a:prstGeom prst="line">
+            <a:avLst/>
+          </a:prstGeom>
+        </p:spPr>
+        <p:style>
+          <a:lnRef idx="2">
+            <a:schemeClr val="accent1"/>
+          </a:lnRef>
+          <a:fillRef idx="0">
+            <a:schemeClr val="accent1"/>
+          </a:fillRef>
+          <a:effectRef idx="1">
+            <a:schemeClr val="accent1"/>
+          </a:effectRef>
+          <a:fontRef idx="minor">
+            <a:schemeClr val="tx1"/>
+          </a:fontRef>
+        </p:style>
+      </p:cxnSp>
+      <p:cxnSp>
+        <p:nvCxnSpPr>
+          <p:cNvPr id="1041" name="Straight Connector 1040">
+            <a:extLst>
+              <a:ext uri="{FF2B5EF4-FFF2-40B4-BE49-F238E27FC236}">
+                <a16:creationId xmlns:a16="http://schemas.microsoft.com/office/drawing/2014/main" id="{2AD7CD0A-E417-9611-F8E8-6B166375C922}"/>
+              </a:ext>
+            </a:extLst>
+          </p:cNvPr>
+          <p:cNvCxnSpPr>
+            <a:cxnSpLocks/>
+          </p:cNvCxnSpPr>
+          <p:nvPr/>
+        </p:nvCxnSpPr>
+        <p:spPr>
+          <a:xfrm>
+            <a:off x="4037419" y="8221514"/>
+            <a:ext cx="470804" cy="0"/>
+          </a:xfrm>
+          <a:prstGeom prst="line">
+            <a:avLst/>
+          </a:prstGeom>
+        </p:spPr>
+        <p:style>
+          <a:lnRef idx="2">
+            <a:schemeClr val="accent1"/>
+          </a:lnRef>
+          <a:fillRef idx="0">
+            <a:schemeClr val="accent1"/>
+          </a:fillRef>
+          <a:effectRef idx="1">
+            <a:schemeClr val="accent1"/>
+          </a:effectRef>
+          <a:fontRef idx="minor">
+            <a:schemeClr val="tx1"/>
+          </a:fontRef>
+        </p:style>
+      </p:cxnSp>
+      <p:cxnSp>
+        <p:nvCxnSpPr>
+          <p:cNvPr id="1042" name="Straight Connector 1041">
+            <a:extLst>
+              <a:ext uri="{FF2B5EF4-FFF2-40B4-BE49-F238E27FC236}">
+                <a16:creationId xmlns:a16="http://schemas.microsoft.com/office/drawing/2014/main" id="{404B8FF7-ADBD-2E88-3D2C-FAB6951377A7}"/>
+              </a:ext>
+            </a:extLst>
+          </p:cNvPr>
+          <p:cNvCxnSpPr>
+            <a:cxnSpLocks/>
+          </p:cNvCxnSpPr>
+          <p:nvPr/>
+        </p:nvCxnSpPr>
+        <p:spPr>
+          <a:xfrm>
+            <a:off x="4652812" y="8221514"/>
+            <a:ext cx="464471" cy="0"/>
+          </a:xfrm>
+          <a:prstGeom prst="line">
+            <a:avLst/>
+          </a:prstGeom>
+        </p:spPr>
+        <p:style>
+          <a:lnRef idx="2">
+            <a:schemeClr val="accent1"/>
+          </a:lnRef>
+          <a:fillRef idx="0">
+            <a:schemeClr val="accent1"/>
+          </a:fillRef>
+          <a:effectRef idx="1">
+            <a:schemeClr val="accent1"/>
+          </a:effectRef>
+          <a:fontRef idx="minor">
+            <a:schemeClr val="tx1"/>
+          </a:fontRef>
+        </p:style>
+      </p:cxnSp>
+      <p:cxnSp>
+        <p:nvCxnSpPr>
+          <p:cNvPr id="1043" name="Straight Connector 1042">
+            <a:extLst>
+              <a:ext uri="{FF2B5EF4-FFF2-40B4-BE49-F238E27FC236}">
+                <a16:creationId xmlns:a16="http://schemas.microsoft.com/office/drawing/2014/main" id="{62F8870B-5B2C-06C2-B750-01D85E141647}"/>
+              </a:ext>
+            </a:extLst>
+          </p:cNvPr>
+          <p:cNvCxnSpPr>
+            <a:cxnSpLocks/>
+          </p:cNvCxnSpPr>
+          <p:nvPr/>
+        </p:nvCxnSpPr>
+        <p:spPr>
+          <a:xfrm>
+            <a:off x="5278677" y="8221514"/>
+            <a:ext cx="464471" cy="0"/>
+          </a:xfrm>
+          <a:prstGeom prst="line">
+            <a:avLst/>
+          </a:prstGeom>
+        </p:spPr>
+        <p:style>
+          <a:lnRef idx="2">
+            <a:schemeClr val="accent1"/>
+          </a:lnRef>
+          <a:fillRef idx="0">
+            <a:schemeClr val="accent1"/>
+          </a:fillRef>
+          <a:effectRef idx="1">
+            <a:schemeClr val="accent1"/>
+          </a:effectRef>
+          <a:fontRef idx="minor">
+            <a:schemeClr val="tx1"/>
+          </a:fontRef>
+        </p:style>
+      </p:cxnSp>
+      <p:cxnSp>
+        <p:nvCxnSpPr>
+          <p:cNvPr id="1046" name="Straight Connector 1045">
+            <a:extLst>
+              <a:ext uri="{FF2B5EF4-FFF2-40B4-BE49-F238E27FC236}">
+                <a16:creationId xmlns:a16="http://schemas.microsoft.com/office/drawing/2014/main" id="{8F84391A-EC2F-0269-1A2A-C07C94F9A691}"/>
+              </a:ext>
+            </a:extLst>
+          </p:cNvPr>
+          <p:cNvCxnSpPr>
+            <a:cxnSpLocks/>
+          </p:cNvCxnSpPr>
+          <p:nvPr/>
+        </p:nvCxnSpPr>
+        <p:spPr>
+          <a:xfrm>
+            <a:off x="3938256" y="7021103"/>
+            <a:ext cx="470804" cy="0"/>
+          </a:xfrm>
+          <a:prstGeom prst="line">
+            <a:avLst/>
+          </a:prstGeom>
+        </p:spPr>
+        <p:style>
+          <a:lnRef idx="2">
+            <a:schemeClr val="accent1"/>
+          </a:lnRef>
+          <a:fillRef idx="0">
+            <a:schemeClr val="accent1"/>
+          </a:fillRef>
+          <a:effectRef idx="1">
+            <a:schemeClr val="accent1"/>
+          </a:effectRef>
+          <a:fontRef idx="minor">
+            <a:schemeClr val="tx1"/>
+          </a:fontRef>
+        </p:style>
+      </p:cxnSp>
+      <p:cxnSp>
+        <p:nvCxnSpPr>
+          <p:cNvPr id="1047" name="Straight Connector 1046">
+            <a:extLst>
+              <a:ext uri="{FF2B5EF4-FFF2-40B4-BE49-F238E27FC236}">
+                <a16:creationId xmlns:a16="http://schemas.microsoft.com/office/drawing/2014/main" id="{D037D6F5-557F-BAFA-7624-FE9BFF813B4A}"/>
+              </a:ext>
+            </a:extLst>
+          </p:cNvPr>
+          <p:cNvCxnSpPr>
+            <a:cxnSpLocks/>
+          </p:cNvCxnSpPr>
+          <p:nvPr/>
+        </p:nvCxnSpPr>
+        <p:spPr>
+          <a:xfrm>
+            <a:off x="4553649" y="7021103"/>
+            <a:ext cx="464471" cy="0"/>
+          </a:xfrm>
+          <a:prstGeom prst="line">
+            <a:avLst/>
+          </a:prstGeom>
+        </p:spPr>
+        <p:style>
+          <a:lnRef idx="2">
+            <a:schemeClr val="accent1"/>
+          </a:lnRef>
+          <a:fillRef idx="0">
+            <a:schemeClr val="accent1"/>
+          </a:fillRef>
+          <a:effectRef idx="1">
+            <a:schemeClr val="accent1"/>
+          </a:effectRef>
+          <a:fontRef idx="minor">
+            <a:schemeClr val="tx1"/>
+          </a:fontRef>
+        </p:style>
+      </p:cxnSp>
+      <p:cxnSp>
+        <p:nvCxnSpPr>
+          <p:cNvPr id="1048" name="Straight Connector 1047">
+            <a:extLst>
+              <a:ext uri="{FF2B5EF4-FFF2-40B4-BE49-F238E27FC236}">
+                <a16:creationId xmlns:a16="http://schemas.microsoft.com/office/drawing/2014/main" id="{68BDC3AF-2C46-C2A8-1746-75D10359818F}"/>
+              </a:ext>
+            </a:extLst>
+          </p:cNvPr>
+          <p:cNvCxnSpPr>
+            <a:cxnSpLocks/>
+          </p:cNvCxnSpPr>
+          <p:nvPr/>
+        </p:nvCxnSpPr>
+        <p:spPr>
+          <a:xfrm>
+            <a:off x="5179514" y="7021103"/>
+            <a:ext cx="464471" cy="0"/>
+          </a:xfrm>
+          <a:prstGeom prst="line">
+            <a:avLst/>
+          </a:prstGeom>
+        </p:spPr>
+        <p:style>
+          <a:lnRef idx="2">
+            <a:schemeClr val="accent1"/>
+          </a:lnRef>
+          <a:fillRef idx="0">
+            <a:schemeClr val="accent1"/>
+          </a:fillRef>
+          <a:effectRef idx="1">
+            <a:schemeClr val="accent1"/>
+          </a:effectRef>
+          <a:fontRef idx="minor">
+            <a:schemeClr val="tx1"/>
+          </a:fontRef>
+        </p:style>
+      </p:cxnSp>
+      <p:cxnSp>
+        <p:nvCxnSpPr>
+          <p:cNvPr id="1049" name="Straight Connector 1048">
+            <a:extLst>
+              <a:ext uri="{FF2B5EF4-FFF2-40B4-BE49-F238E27FC236}">
+                <a16:creationId xmlns:a16="http://schemas.microsoft.com/office/drawing/2014/main" id="{7CFB92AF-8ED2-3A33-874D-2F557BB465E4}"/>
+              </a:ext>
+            </a:extLst>
+          </p:cNvPr>
+          <p:cNvCxnSpPr>
+            <a:cxnSpLocks/>
+          </p:cNvCxnSpPr>
+          <p:nvPr/>
+        </p:nvCxnSpPr>
+        <p:spPr>
+          <a:xfrm>
+            <a:off x="5863114" y="7021103"/>
+            <a:ext cx="464471" cy="0"/>
+          </a:xfrm>
+          <a:prstGeom prst="line">
+            <a:avLst/>
+          </a:prstGeom>
+        </p:spPr>
+        <p:style>
+          <a:lnRef idx="2">
+            <a:schemeClr val="accent1"/>
+          </a:lnRef>
+          <a:fillRef idx="0">
+            <a:schemeClr val="accent1"/>
+          </a:fillRef>
+          <a:effectRef idx="1">
+            <a:schemeClr val="accent1"/>
+          </a:effectRef>
+          <a:fontRef idx="minor">
+            <a:schemeClr val="tx1"/>
+          </a:fontRef>
+        </p:style>
+      </p:cxnSp>
+      <p:cxnSp>
+        <p:nvCxnSpPr>
+          <p:cNvPr id="1051" name="Straight Connector 1050">
+            <a:extLst>
+              <a:ext uri="{FF2B5EF4-FFF2-40B4-BE49-F238E27FC236}">
+                <a16:creationId xmlns:a16="http://schemas.microsoft.com/office/drawing/2014/main" id="{F38E8F92-9DEF-1ED6-64D0-7C759F656572}"/>
+              </a:ext>
+            </a:extLst>
+          </p:cNvPr>
+          <p:cNvCxnSpPr>
+            <a:cxnSpLocks/>
+          </p:cNvCxnSpPr>
+          <p:nvPr/>
+        </p:nvCxnSpPr>
+        <p:spPr>
+          <a:xfrm>
+            <a:off x="3957045" y="4653160"/>
+            <a:ext cx="470804" cy="0"/>
+          </a:xfrm>
+          <a:prstGeom prst="line">
+            <a:avLst/>
+          </a:prstGeom>
+        </p:spPr>
+        <p:style>
+          <a:lnRef idx="2">
+            <a:schemeClr val="accent1"/>
+          </a:lnRef>
+          <a:fillRef idx="0">
+            <a:schemeClr val="accent1"/>
+          </a:fillRef>
+          <a:effectRef idx="1">
+            <a:schemeClr val="accent1"/>
+          </a:effectRef>
+          <a:fontRef idx="minor">
+            <a:schemeClr val="tx1"/>
+          </a:fontRef>
+        </p:style>
+      </p:cxnSp>
+      <p:cxnSp>
+        <p:nvCxnSpPr>
+          <p:cNvPr id="1052" name="Straight Connector 1051">
+            <a:extLst>
+              <a:ext uri="{FF2B5EF4-FFF2-40B4-BE49-F238E27FC236}">
+                <a16:creationId xmlns:a16="http://schemas.microsoft.com/office/drawing/2014/main" id="{A0063496-7D42-4F4E-FF86-90387630A82C}"/>
+              </a:ext>
+            </a:extLst>
+          </p:cNvPr>
+          <p:cNvCxnSpPr>
+            <a:cxnSpLocks/>
+          </p:cNvCxnSpPr>
+          <p:nvPr/>
+        </p:nvCxnSpPr>
+        <p:spPr>
+          <a:xfrm>
+            <a:off x="4572438" y="4653160"/>
+            <a:ext cx="464471" cy="0"/>
+          </a:xfrm>
+          <a:prstGeom prst="line">
+            <a:avLst/>
+          </a:prstGeom>
+        </p:spPr>
+        <p:style>
+          <a:lnRef idx="2">
+            <a:schemeClr val="accent1"/>
+          </a:lnRef>
+          <a:fillRef idx="0">
+            <a:schemeClr val="accent1"/>
+          </a:fillRef>
+          <a:effectRef idx="1">
+            <a:schemeClr val="accent1"/>
+          </a:effectRef>
+          <a:fontRef idx="minor">
+            <a:schemeClr val="tx1"/>
+          </a:fontRef>
+        </p:style>
+      </p:cxnSp>
+      <p:cxnSp>
+        <p:nvCxnSpPr>
+          <p:cNvPr id="1053" name="Straight Connector 1052">
+            <a:extLst>
+              <a:ext uri="{FF2B5EF4-FFF2-40B4-BE49-F238E27FC236}">
+                <a16:creationId xmlns:a16="http://schemas.microsoft.com/office/drawing/2014/main" id="{28DBDE6D-D446-4981-1EF9-DE9E33A5C47C}"/>
+              </a:ext>
+            </a:extLst>
+          </p:cNvPr>
+          <p:cNvCxnSpPr>
+            <a:cxnSpLocks/>
+          </p:cNvCxnSpPr>
+          <p:nvPr/>
+        </p:nvCxnSpPr>
+        <p:spPr>
+          <a:xfrm>
+            <a:off x="5198303" y="4653160"/>
+            <a:ext cx="464471" cy="0"/>
+          </a:xfrm>
+          <a:prstGeom prst="line">
+            <a:avLst/>
+          </a:prstGeom>
+        </p:spPr>
+        <p:style>
+          <a:lnRef idx="2">
+            <a:schemeClr val="accent1"/>
+          </a:lnRef>
+          <a:fillRef idx="0">
+            <a:schemeClr val="accent1"/>
+          </a:fillRef>
+          <a:effectRef idx="1">
+            <a:schemeClr val="accent1"/>
+          </a:effectRef>
+          <a:fontRef idx="minor">
+            <a:schemeClr val="tx1"/>
+          </a:fontRef>
+        </p:style>
+      </p:cxnSp>
+      <p:cxnSp>
+        <p:nvCxnSpPr>
+          <p:cNvPr id="1054" name="Straight Connector 1053">
+            <a:extLst>
+              <a:ext uri="{FF2B5EF4-FFF2-40B4-BE49-F238E27FC236}">
+                <a16:creationId xmlns:a16="http://schemas.microsoft.com/office/drawing/2014/main" id="{4664D35A-11DA-C2D4-2C37-E41F65EDC4C9}"/>
+              </a:ext>
+            </a:extLst>
+          </p:cNvPr>
+          <p:cNvCxnSpPr>
+            <a:cxnSpLocks/>
+          </p:cNvCxnSpPr>
+          <p:nvPr/>
+        </p:nvCxnSpPr>
+        <p:spPr>
+          <a:xfrm>
+            <a:off x="5881903" y="4653160"/>
+            <a:ext cx="464471" cy="0"/>
+          </a:xfrm>
+          <a:prstGeom prst="line">
+            <a:avLst/>
+          </a:prstGeom>
+        </p:spPr>
+        <p:style>
+          <a:lnRef idx="2">
+            <a:schemeClr val="accent1"/>
+          </a:lnRef>
+          <a:fillRef idx="0">
+            <a:schemeClr val="accent1"/>
+          </a:fillRef>
+          <a:effectRef idx="1">
+            <a:schemeClr val="accent1"/>
+          </a:effectRef>
+          <a:fontRef idx="minor">
+            <a:schemeClr val="tx1"/>
+          </a:fontRef>
+        </p:style>
+      </p:cxnSp>
+      <p:cxnSp>
+        <p:nvCxnSpPr>
+          <p:cNvPr id="1055" name="Straight Connector 1054">
+            <a:extLst>
+              <a:ext uri="{FF2B5EF4-FFF2-40B4-BE49-F238E27FC236}">
+                <a16:creationId xmlns:a16="http://schemas.microsoft.com/office/drawing/2014/main" id="{74167E51-5CDB-B0F0-8285-386AAC0CCB96}"/>
+              </a:ext>
+            </a:extLst>
+          </p:cNvPr>
+          <p:cNvCxnSpPr>
+            <a:cxnSpLocks/>
+          </p:cNvCxnSpPr>
+          <p:nvPr/>
+        </p:nvCxnSpPr>
+        <p:spPr>
+          <a:xfrm>
+            <a:off x="3950243" y="3428221"/>
+            <a:ext cx="470804" cy="0"/>
+          </a:xfrm>
+          <a:prstGeom prst="line">
+            <a:avLst/>
+          </a:prstGeom>
+        </p:spPr>
+        <p:style>
+          <a:lnRef idx="2">
+            <a:schemeClr val="accent1"/>
+          </a:lnRef>
+          <a:fillRef idx="0">
+            <a:schemeClr val="accent1"/>
+          </a:fillRef>
+          <a:effectRef idx="1">
+            <a:schemeClr val="accent1"/>
+          </a:effectRef>
+          <a:fontRef idx="minor">
+            <a:schemeClr val="tx1"/>
+          </a:fontRef>
+        </p:style>
+      </p:cxnSp>
+      <p:cxnSp>
+        <p:nvCxnSpPr>
+          <p:cNvPr id="1056" name="Straight Connector 1055">
+            <a:extLst>
+              <a:ext uri="{FF2B5EF4-FFF2-40B4-BE49-F238E27FC236}">
+                <a16:creationId xmlns:a16="http://schemas.microsoft.com/office/drawing/2014/main" id="{6EAADF9B-2285-66E1-8C2F-1C1397D5CE34}"/>
+              </a:ext>
+            </a:extLst>
+          </p:cNvPr>
+          <p:cNvCxnSpPr>
+            <a:cxnSpLocks/>
+          </p:cNvCxnSpPr>
+          <p:nvPr/>
+        </p:nvCxnSpPr>
+        <p:spPr>
+          <a:xfrm>
+            <a:off x="4565636" y="3428221"/>
+            <a:ext cx="464471" cy="0"/>
+          </a:xfrm>
+          <a:prstGeom prst="line">
+            <a:avLst/>
+          </a:prstGeom>
+        </p:spPr>
+        <p:style>
+          <a:lnRef idx="2">
+            <a:schemeClr val="accent1"/>
+          </a:lnRef>
+          <a:fillRef idx="0">
+            <a:schemeClr val="accent1"/>
+          </a:fillRef>
+          <a:effectRef idx="1">
+            <a:schemeClr val="accent1"/>
+          </a:effectRef>
+          <a:fontRef idx="minor">
+            <a:schemeClr val="tx1"/>
+          </a:fontRef>
+        </p:style>
+      </p:cxnSp>
+      <p:cxnSp>
+        <p:nvCxnSpPr>
+          <p:cNvPr id="1057" name="Straight Connector 1056">
+            <a:extLst>
+              <a:ext uri="{FF2B5EF4-FFF2-40B4-BE49-F238E27FC236}">
+                <a16:creationId xmlns:a16="http://schemas.microsoft.com/office/drawing/2014/main" id="{4E073B9C-E3CC-3F69-E3FB-BEA0E1ECFAED}"/>
+              </a:ext>
+            </a:extLst>
+          </p:cNvPr>
+          <p:cNvCxnSpPr>
+            <a:cxnSpLocks/>
+          </p:cNvCxnSpPr>
+          <p:nvPr/>
+        </p:nvCxnSpPr>
+        <p:spPr>
+          <a:xfrm>
+            <a:off x="5191501" y="3428221"/>
+            <a:ext cx="464471" cy="0"/>
+          </a:xfrm>
+          <a:prstGeom prst="line">
+            <a:avLst/>
+          </a:prstGeom>
+        </p:spPr>
+        <p:style>
+          <a:lnRef idx="2">
+            <a:schemeClr val="accent1"/>
+          </a:lnRef>
+          <a:fillRef idx="0">
+            <a:schemeClr val="accent1"/>
+          </a:fillRef>
+          <a:effectRef idx="1">
+            <a:schemeClr val="accent1"/>
+          </a:effectRef>
+          <a:fontRef idx="minor">
+            <a:schemeClr val="tx1"/>
+          </a:fontRef>
+        </p:style>
+      </p:cxnSp>
+      <p:cxnSp>
+        <p:nvCxnSpPr>
+          <p:cNvPr id="1058" name="Straight Connector 1057">
+            <a:extLst>
+              <a:ext uri="{FF2B5EF4-FFF2-40B4-BE49-F238E27FC236}">
+                <a16:creationId xmlns:a16="http://schemas.microsoft.com/office/drawing/2014/main" id="{08040AF5-12BD-98C9-B8E9-9561B610C663}"/>
+              </a:ext>
+            </a:extLst>
+          </p:cNvPr>
+          <p:cNvCxnSpPr>
+            <a:cxnSpLocks/>
+          </p:cNvCxnSpPr>
+          <p:nvPr/>
+        </p:nvCxnSpPr>
+        <p:spPr>
+          <a:xfrm>
+            <a:off x="5875101" y="3428221"/>
+            <a:ext cx="464471" cy="0"/>
+          </a:xfrm>
+          <a:prstGeom prst="line">
+            <a:avLst/>
+          </a:prstGeom>
+        </p:spPr>
+        <p:style>
+          <a:lnRef idx="2">
+            <a:schemeClr val="accent1"/>
+          </a:lnRef>
+          <a:fillRef idx="0">
+            <a:schemeClr val="accent1"/>
+          </a:fillRef>
+          <a:effectRef idx="1">
+            <a:schemeClr val="accent1"/>
+          </a:effectRef>
+          <a:fontRef idx="minor">
+            <a:schemeClr val="tx1"/>
+          </a:fontRef>
+        </p:style>
+      </p:cxnSp>
+      <p:cxnSp>
+        <p:nvCxnSpPr>
+          <p:cNvPr id="1060" name="Straight Connector 1059">
+            <a:extLst>
+              <a:ext uri="{FF2B5EF4-FFF2-40B4-BE49-F238E27FC236}">
+                <a16:creationId xmlns:a16="http://schemas.microsoft.com/office/drawing/2014/main" id="{B752EFB3-C585-627B-3A80-48289DA0FB95}"/>
+              </a:ext>
+            </a:extLst>
+          </p:cNvPr>
+          <p:cNvCxnSpPr>
+            <a:cxnSpLocks/>
+          </p:cNvCxnSpPr>
+          <p:nvPr/>
+        </p:nvCxnSpPr>
+        <p:spPr>
+          <a:xfrm>
+            <a:off x="4419214" y="5849709"/>
+            <a:ext cx="455798" cy="0"/>
+          </a:xfrm>
+          <a:prstGeom prst="line">
+            <a:avLst/>
+          </a:prstGeom>
+        </p:spPr>
+        <p:style>
+          <a:lnRef idx="2">
+            <a:schemeClr val="accent1"/>
+          </a:lnRef>
+          <a:fillRef idx="0">
+            <a:schemeClr val="accent1"/>
+          </a:fillRef>
+          <a:effectRef idx="1">
+            <a:schemeClr val="accent1"/>
+          </a:effectRef>
+          <a:fontRef idx="minor">
+            <a:schemeClr val="tx1"/>
+          </a:fontRef>
+        </p:style>
+      </p:cxnSp>
+      <p:cxnSp>
+        <p:nvCxnSpPr>
+          <p:cNvPr id="1061" name="Straight Connector 1060">
+            <a:extLst>
+              <a:ext uri="{FF2B5EF4-FFF2-40B4-BE49-F238E27FC236}">
+                <a16:creationId xmlns:a16="http://schemas.microsoft.com/office/drawing/2014/main" id="{6AEDEDCF-6E09-C6F5-EA0E-4E73CFF01C96}"/>
+              </a:ext>
+            </a:extLst>
+          </p:cNvPr>
+          <p:cNvCxnSpPr>
+            <a:cxnSpLocks/>
+          </p:cNvCxnSpPr>
+          <p:nvPr/>
+        </p:nvCxnSpPr>
+        <p:spPr>
+          <a:xfrm>
+            <a:off x="4967938" y="5849709"/>
+            <a:ext cx="455798" cy="0"/>
+          </a:xfrm>
+          <a:prstGeom prst="line">
+            <a:avLst/>
+          </a:prstGeom>
+        </p:spPr>
+        <p:style>
+          <a:lnRef idx="2">
+            <a:schemeClr val="accent1"/>
+          </a:lnRef>
+          <a:fillRef idx="0">
+            <a:schemeClr val="accent1"/>
+          </a:fillRef>
+          <a:effectRef idx="1">
+            <a:schemeClr val="accent1"/>
+          </a:effectRef>
+          <a:fontRef idx="minor">
+            <a:schemeClr val="tx1"/>
+          </a:fontRef>
+        </p:style>
+      </p:cxnSp>
+      <p:cxnSp>
+        <p:nvCxnSpPr>
+          <p:cNvPr id="1062" name="Straight Connector 1061">
+            <a:extLst>
+              <a:ext uri="{FF2B5EF4-FFF2-40B4-BE49-F238E27FC236}">
+                <a16:creationId xmlns:a16="http://schemas.microsoft.com/office/drawing/2014/main" id="{11C121EF-2FAA-F619-189A-6C5C3DBEE632}"/>
+              </a:ext>
+            </a:extLst>
+          </p:cNvPr>
+          <p:cNvCxnSpPr>
+            <a:cxnSpLocks/>
+          </p:cNvCxnSpPr>
+          <p:nvPr/>
+        </p:nvCxnSpPr>
+        <p:spPr>
+          <a:xfrm>
+            <a:off x="5510912" y="5849709"/>
+            <a:ext cx="455798" cy="0"/>
+          </a:xfrm>
+          <a:prstGeom prst="line">
+            <a:avLst/>
+          </a:prstGeom>
+        </p:spPr>
+        <p:style>
+          <a:lnRef idx="2">
+            <a:schemeClr val="accent1"/>
+          </a:lnRef>
+          <a:fillRef idx="0">
+            <a:schemeClr val="accent1"/>
+          </a:fillRef>
+          <a:effectRef idx="1">
+            <a:schemeClr val="accent1"/>
+          </a:effectRef>
+          <a:fontRef idx="minor">
+            <a:schemeClr val="tx1"/>
+          </a:fontRef>
+        </p:style>
+      </p:cxnSp>
+      <p:cxnSp>
+        <p:nvCxnSpPr>
+          <p:cNvPr id="1063" name="Straight Connector 1062">
+            <a:extLst>
+              <a:ext uri="{FF2B5EF4-FFF2-40B4-BE49-F238E27FC236}">
+                <a16:creationId xmlns:a16="http://schemas.microsoft.com/office/drawing/2014/main" id="{36EB0491-3063-29F5-8DBF-E84D8F36795D}"/>
+              </a:ext>
+            </a:extLst>
+          </p:cNvPr>
+          <p:cNvCxnSpPr>
+            <a:cxnSpLocks/>
+          </p:cNvCxnSpPr>
+          <p:nvPr/>
+        </p:nvCxnSpPr>
+        <p:spPr>
+          <a:xfrm>
+            <a:off x="6022981" y="5849709"/>
+            <a:ext cx="455798" cy="0"/>
+          </a:xfrm>
+          <a:prstGeom prst="line">
+            <a:avLst/>
+          </a:prstGeom>
+        </p:spPr>
+        <p:style>
+          <a:lnRef idx="2">
+            <a:schemeClr val="accent1"/>
+          </a:lnRef>
+          <a:fillRef idx="0">
+            <a:schemeClr val="accent1"/>
+          </a:fillRef>
+          <a:effectRef idx="1">
+            <a:schemeClr val="accent1"/>
+          </a:effectRef>
+          <a:fontRef idx="minor">
+            <a:schemeClr val="tx1"/>
+          </a:fontRef>
+        </p:style>
+      </p:cxnSp>
     </p:spTree>
     <p:extLst>
       <p:ext uri="{BB962C8B-B14F-4D97-AF65-F5344CB8AC3E}">
